--- a/sesija-15/PPT/Front-End Developer-15.pptx
+++ b/sesija-15/PPT/Front-End Developer-15.pptx
@@ -6,13 +6,20 @@
     <p:sldMasterId id="2147483676" r:id="rId2"/>
   </p:sldMasterIdLst>
   <p:notesMasterIdLst>
-    <p:notesMasterId r:id="rId7"/>
+    <p:notesMasterId r:id="rId14"/>
   </p:notesMasterIdLst>
   <p:sldIdLst>
     <p:sldId id="256" r:id="rId3"/>
     <p:sldId id="257" r:id="rId4"/>
     <p:sldId id="258" r:id="rId5"/>
     <p:sldId id="263" r:id="rId6"/>
+    <p:sldId id="264" r:id="rId7"/>
+    <p:sldId id="265" r:id="rId8"/>
+    <p:sldId id="266" r:id="rId9"/>
+    <p:sldId id="267" r:id="rId10"/>
+    <p:sldId id="268" r:id="rId11"/>
+    <p:sldId id="269" r:id="rId12"/>
+    <p:sldId id="270" r:id="rId13"/>
   </p:sldIdLst>
   <p:sldSz cx="12192000" cy="6858000"/>
   <p:notesSz cx="6858000" cy="9144000"/>
@@ -120,6 +127,13 @@
             <p14:sldId id="257"/>
             <p14:sldId id="258"/>
             <p14:sldId id="263"/>
+            <p14:sldId id="264"/>
+            <p14:sldId id="265"/>
+            <p14:sldId id="266"/>
+            <p14:sldId id="267"/>
+            <p14:sldId id="268"/>
+            <p14:sldId id="269"/>
+            <p14:sldId id="270"/>
           </p14:sldIdLst>
         </p14:section>
       </p14:sectionLst>
@@ -904,7 +918,7 @@
         <a:p>
           <a:r>
             <a:rPr lang="en-US" b="1" smtClean="0"/>
-            <a:t>HTML</a:t>
+            <a:t>Javascript</a:t>
           </a:r>
           <a:endParaRPr lang="en-US"/>
         </a:p>
@@ -939,6 +953,10 @@
         <a:bodyPr/>
         <a:lstStyle/>
         <a:p>
+          <a:r>
+            <a:rPr lang="en-US" smtClean="0"/>
+            <a:t>Funkcije koje vracaju funkcije</a:t>
+          </a:r>
           <a:endParaRPr lang="en-US"/>
         </a:p>
       </dgm:t>
@@ -948,6 +966,56 @@
       <dgm:spPr/>
     </dgm:pt>
     <dgm:pt modelId="{B8A6BCFB-F597-4971-BF20-6B7B52347AE9}" type="sibTrans" cxnId="{C78D7D1E-4353-489A-8F01-856C716DDAA5}">
+      <dgm:prSet/>
+      <dgm:spPr/>
+    </dgm:pt>
+    <dgm:pt modelId="{6947CC8D-DE84-40E8-85E0-997362E71F65}">
+      <dgm:prSet phldrT="[Text]"/>
+      <dgm:spPr/>
+      <dgm:t>
+        <a:bodyPr/>
+        <a:lstStyle/>
+        <a:p>
+          <a:r>
+            <a:rPr lang="en-US" smtClean="0"/>
+            <a:t>IIFE – </a:t>
+          </a:r>
+          <a:r>
+            <a:rPr lang="sr-Latn-RS" b="0" i="0" smtClean="0"/>
+            <a:t>Immediately Invoked Function Expression</a:t>
+          </a:r>
+          <a:endParaRPr lang="en-US"/>
+        </a:p>
+      </dgm:t>
+    </dgm:pt>
+    <dgm:pt modelId="{B512B868-063F-4EB2-A82D-63DA3E7D4CEA}" type="parTrans" cxnId="{0C033A13-4C5A-44FA-BDA5-9A814564BFFA}">
+      <dgm:prSet/>
+      <dgm:spPr/>
+    </dgm:pt>
+    <dgm:pt modelId="{C141FFA2-3AE2-448C-8771-180405D97E1B}" type="sibTrans" cxnId="{0C033A13-4C5A-44FA-BDA5-9A814564BFFA}">
+      <dgm:prSet/>
+      <dgm:spPr/>
+    </dgm:pt>
+    <dgm:pt modelId="{9631599B-E3D0-4967-B4ED-0F9C44C41B6C}">
+      <dgm:prSet phldrT="[Text]"/>
+      <dgm:spPr/>
+      <dgm:t>
+        <a:bodyPr/>
+        <a:lstStyle/>
+        <a:p>
+          <a:r>
+            <a:rPr lang="en-US" smtClean="0"/>
+            <a:t>Objekti - inheritance</a:t>
+          </a:r>
+          <a:endParaRPr lang="en-US"/>
+        </a:p>
+      </dgm:t>
+    </dgm:pt>
+    <dgm:pt modelId="{15F4375E-2C51-4777-ADFA-9B2B02FCD852}" type="parTrans" cxnId="{D849FADC-A8BD-4C80-B13F-0F3F83F1C917}">
+      <dgm:prSet/>
+      <dgm:spPr/>
+    </dgm:pt>
+    <dgm:pt modelId="{5711BE1C-7486-4277-A58D-8CE0A4281A6A}" type="sibTrans" cxnId="{D849FADC-A8BD-4C80-B13F-0F3F83F1C917}">
       <dgm:prSet/>
       <dgm:spPr/>
     </dgm:pt>
@@ -1000,11 +1068,15 @@
     </dgm:pt>
   </dgm:ptLst>
   <dgm:cxnLst>
+    <dgm:cxn modelId="{30459F8F-CD6D-4A6A-86D3-5B37EC736A80}" type="presOf" srcId="{6947CC8D-DE84-40E8-85E0-997362E71F65}" destId="{AADBD8E6-695F-4FE3-9A02-D807BC812A7C}" srcOrd="0" destOrd="2" presId="urn:microsoft.com/office/officeart/2005/8/layout/vList2"/>
     <dgm:cxn modelId="{FB3F133B-D980-4586-8A93-14087C2AFDB7}" type="presOf" srcId="{01EB205F-FC18-44EF-B4D7-07083A382D6D}" destId="{F4D94EE2-DE87-41D3-8995-9FDA4ED2D4BE}" srcOrd="0" destOrd="0" presId="urn:microsoft.com/office/officeart/2005/8/layout/vList2"/>
-    <dgm:cxn modelId="{C78D7D1E-4353-489A-8F01-856C716DDAA5}" srcId="{01EB205F-FC18-44EF-B4D7-07083A382D6D}" destId="{7BA3726F-3900-4FC3-8B1E-5B513F942281}" srcOrd="0" destOrd="0" parTransId="{F89418B0-7D47-48D3-A0DD-7DC00E292A1E}" sibTransId="{B8A6BCFB-F597-4971-BF20-6B7B52347AE9}"/>
     <dgm:cxn modelId="{9ADF0326-01FB-4790-B759-ACDFB0217796}" type="presOf" srcId="{4EE1351B-4B79-4D48-8F5E-455F7AD945A8}" destId="{AEABCDDF-3180-4C76-A7CB-FC0B6AF0719A}" srcOrd="0" destOrd="0" presId="urn:microsoft.com/office/officeart/2005/8/layout/vList2"/>
+    <dgm:cxn modelId="{C78D7D1E-4353-489A-8F01-856C716DDAA5}" srcId="{01EB205F-FC18-44EF-B4D7-07083A382D6D}" destId="{7BA3726F-3900-4FC3-8B1E-5B513F942281}" srcOrd="1" destOrd="0" parTransId="{F89418B0-7D47-48D3-A0DD-7DC00E292A1E}" sibTransId="{B8A6BCFB-F597-4971-BF20-6B7B52347AE9}"/>
     <dgm:cxn modelId="{554D4833-0D13-4D4C-92BF-76D83AECFDE6}" srcId="{4EE1351B-4B79-4D48-8F5E-455F7AD945A8}" destId="{01EB205F-FC18-44EF-B4D7-07083A382D6D}" srcOrd="0" destOrd="0" parTransId="{D4C6F2B3-566C-488E-AC05-F7BDFB6B7331}" sibTransId="{2BF717F9-FCD3-4CE3-A0A5-83D104AFB328}"/>
-    <dgm:cxn modelId="{C5A8E9B4-A897-4242-BCB6-414B02FAC18D}" type="presOf" srcId="{7BA3726F-3900-4FC3-8B1E-5B513F942281}" destId="{AADBD8E6-695F-4FE3-9A02-D807BC812A7C}" srcOrd="0" destOrd="0" presId="urn:microsoft.com/office/officeart/2005/8/layout/vList2"/>
+    <dgm:cxn modelId="{D849FADC-A8BD-4C80-B13F-0F3F83F1C917}" srcId="{01EB205F-FC18-44EF-B4D7-07083A382D6D}" destId="{9631599B-E3D0-4967-B4ED-0F9C44C41B6C}" srcOrd="0" destOrd="0" parTransId="{15F4375E-2C51-4777-ADFA-9B2B02FCD852}" sibTransId="{5711BE1C-7486-4277-A58D-8CE0A4281A6A}"/>
+    <dgm:cxn modelId="{D98577DD-7E9E-4489-B03E-A9BAD0FB1CA1}" type="presOf" srcId="{9631599B-E3D0-4967-B4ED-0F9C44C41B6C}" destId="{AADBD8E6-695F-4FE3-9A02-D807BC812A7C}" srcOrd="0" destOrd="0" presId="urn:microsoft.com/office/officeart/2005/8/layout/vList2"/>
+    <dgm:cxn modelId="{0C033A13-4C5A-44FA-BDA5-9A814564BFFA}" srcId="{01EB205F-FC18-44EF-B4D7-07083A382D6D}" destId="{6947CC8D-DE84-40E8-85E0-997362E71F65}" srcOrd="2" destOrd="0" parTransId="{B512B868-063F-4EB2-A82D-63DA3E7D4CEA}" sibTransId="{C141FFA2-3AE2-448C-8771-180405D97E1B}"/>
+    <dgm:cxn modelId="{C5A8E9B4-A897-4242-BCB6-414B02FAC18D}" type="presOf" srcId="{7BA3726F-3900-4FC3-8B1E-5B513F942281}" destId="{AADBD8E6-695F-4FE3-9A02-D807BC812A7C}" srcOrd="0" destOrd="1" presId="urn:microsoft.com/office/officeart/2005/8/layout/vList2"/>
     <dgm:cxn modelId="{541BD5B9-51DA-497F-838D-CDA31366E980}" type="presParOf" srcId="{AEABCDDF-3180-4C76-A7CB-FC0B6AF0719A}" destId="{F4D94EE2-DE87-41D3-8995-9FDA4ED2D4BE}" srcOrd="0" destOrd="0" presId="urn:microsoft.com/office/officeart/2005/8/layout/vList2"/>
     <dgm:cxn modelId="{C7801D2E-7067-4E56-86BD-8C707C34363A}" type="presParOf" srcId="{AEABCDDF-3180-4C76-A7CB-FC0B6AF0719A}" destId="{AADBD8E6-695F-4FE3-9A02-D807BC812A7C}" srcOrd="1" destOrd="0" presId="urn:microsoft.com/office/officeart/2005/8/layout/vList2"/>
   </dgm:cxnLst>
@@ -1033,8 +1105,8 @@
       </dsp:nvSpPr>
       <dsp:spPr>
         <a:xfrm>
-          <a:off x="0" y="1548347"/>
-          <a:ext cx="8298873" cy="1521000"/>
+          <a:off x="0" y="375197"/>
+          <a:ext cx="8298873" cy="1404000"/>
         </a:xfrm>
         <a:prstGeom prst="roundRect">
           <a:avLst/>
@@ -1075,12 +1147,12 @@
         </a:fontRef>
       </dsp:style>
       <dsp:txBody>
-        <a:bodyPr spcFirstLastPara="0" vert="horz" wrap="square" lIns="247650" tIns="247650" rIns="247650" bIns="247650" numCol="1" spcCol="1270" anchor="ctr" anchorCtr="0">
+        <a:bodyPr spcFirstLastPara="0" vert="horz" wrap="square" lIns="228600" tIns="228600" rIns="228600" bIns="228600" numCol="1" spcCol="1270" anchor="ctr" anchorCtr="0">
           <a:noAutofit/>
         </a:bodyPr>
         <a:lstStyle/>
         <a:p>
-          <a:pPr lvl="0" algn="l" defTabSz="2889250">
+          <a:pPr lvl="0" algn="l" defTabSz="2667000">
             <a:lnSpc>
               <a:spcPct val="90000"/>
             </a:lnSpc>
@@ -1092,15 +1164,15 @@
             </a:spcAft>
           </a:pPr>
           <a:r>
-            <a:rPr lang="en-US" sz="6500" b="1" kern="1200" smtClean="0"/>
-            <a:t>HTML</a:t>
+            <a:rPr lang="en-US" sz="6000" b="1" kern="1200" smtClean="0"/>
+            <a:t>Javascript</a:t>
           </a:r>
-          <a:endParaRPr lang="en-US" sz="6500" kern="1200"/>
+          <a:endParaRPr lang="en-US" sz="6000" kern="1200"/>
         </a:p>
       </dsp:txBody>
       <dsp:txXfrm>
-        <a:off x="74249" y="1622596"/>
-        <a:ext cx="8150375" cy="1372502"/>
+        <a:off x="68538" y="443735"/>
+        <a:ext cx="8161797" cy="1266924"/>
       </dsp:txXfrm>
     </dsp:sp>
     <dsp:sp modelId="{AADBD8E6-695F-4FE3-9A02-D807BC812A7C}">
@@ -1110,8 +1182,8 @@
       </dsp:nvSpPr>
       <dsp:spPr>
         <a:xfrm>
-          <a:off x="0" y="3069347"/>
-          <a:ext cx="8298873" cy="1076400"/>
+          <a:off x="0" y="1779197"/>
+          <a:ext cx="8298873" cy="3539700"/>
         </a:xfrm>
         <a:prstGeom prst="rect">
           <a:avLst/>
@@ -1135,12 +1207,12 @@
         <a:fontRef idx="minor"/>
       </dsp:style>
       <dsp:txBody>
-        <a:bodyPr spcFirstLastPara="0" vert="horz" wrap="square" lIns="263489" tIns="82550" rIns="462280" bIns="82550" numCol="1" spcCol="1270" anchor="t" anchorCtr="0">
+        <a:bodyPr spcFirstLastPara="0" vert="horz" wrap="square" lIns="263489" tIns="76200" rIns="426720" bIns="76200" numCol="1" spcCol="1270" anchor="t" anchorCtr="0">
           <a:noAutofit/>
         </a:bodyPr>
         <a:lstStyle/>
         <a:p>
-          <a:pPr marL="285750" lvl="1" indent="-285750" algn="l" defTabSz="2266950">
+          <a:pPr marL="285750" lvl="1" indent="-285750" algn="l" defTabSz="2089150">
             <a:lnSpc>
               <a:spcPct val="90000"/>
             </a:lnSpc>
@@ -1152,12 +1224,58 @@
             </a:spcAft>
             <a:buChar char="••"/>
           </a:pPr>
-          <a:endParaRPr lang="en-US" sz="5100" kern="1200"/>
+          <a:r>
+            <a:rPr lang="en-US" sz="4700" kern="1200" smtClean="0"/>
+            <a:t>Objekti - inheritance</a:t>
+          </a:r>
+          <a:endParaRPr lang="en-US" sz="4700" kern="1200"/>
+        </a:p>
+        <a:p>
+          <a:pPr marL="285750" lvl="1" indent="-285750" algn="l" defTabSz="2089150">
+            <a:lnSpc>
+              <a:spcPct val="90000"/>
+            </a:lnSpc>
+            <a:spcBef>
+              <a:spcPct val="0"/>
+            </a:spcBef>
+            <a:spcAft>
+              <a:spcPct val="20000"/>
+            </a:spcAft>
+            <a:buChar char="••"/>
+          </a:pPr>
+          <a:r>
+            <a:rPr lang="en-US" sz="4700" kern="1200" smtClean="0"/>
+            <a:t>Funkcije koje vracaju funkcije</a:t>
+          </a:r>
+          <a:endParaRPr lang="en-US" sz="4700" kern="1200"/>
+        </a:p>
+        <a:p>
+          <a:pPr marL="285750" lvl="1" indent="-285750" algn="l" defTabSz="2089150">
+            <a:lnSpc>
+              <a:spcPct val="90000"/>
+            </a:lnSpc>
+            <a:spcBef>
+              <a:spcPct val="0"/>
+            </a:spcBef>
+            <a:spcAft>
+              <a:spcPct val="20000"/>
+            </a:spcAft>
+            <a:buChar char="••"/>
+          </a:pPr>
+          <a:r>
+            <a:rPr lang="en-US" sz="4700" kern="1200" smtClean="0"/>
+            <a:t>IIFE – </a:t>
+          </a:r>
+          <a:r>
+            <a:rPr lang="sr-Latn-RS" sz="4700" b="0" i="0" kern="1200" smtClean="0"/>
+            <a:t>Immediately Invoked Function Expression</a:t>
+          </a:r>
+          <a:endParaRPr lang="en-US" sz="4700" kern="1200"/>
         </a:p>
       </dsp:txBody>
       <dsp:txXfrm>
-        <a:off x="0" y="3069347"/>
-        <a:ext cx="8298873" cy="1076400"/>
+        <a:off x="0" y="1779197"/>
+        <a:ext cx="8298873" cy="3539700"/>
       </dsp:txXfrm>
     </dsp:sp>
   </dsp:spTree>
@@ -2447,7 +2565,7 @@
           <a:p>
             <a:fld id="{D32AC403-8EB1-4D4E-8C3A-24BD19820531}" type="datetimeFigureOut">
               <a:rPr lang="en-US" smtClean="0"/>
-              <a:t>13-Mar-18</a:t>
+              <a:t>14-Mar-18</a:t>
             </a:fld>
             <a:endParaRPr lang="en-US"/>
           </a:p>
@@ -3193,7 +3311,7 @@
           <a:p>
             <a:fld id="{B35B300D-7DF5-4E96-8AA6-60E94C6E9F44}" type="datetimeFigureOut">
               <a:rPr lang="sr-Latn-RS" smtClean="0"/>
-              <a:t>13.3.2018.</a:t>
+              <a:t>14.3.2018.</a:t>
             </a:fld>
             <a:endParaRPr lang="sr-Latn-RS"/>
           </a:p>
@@ -3627,7 +3745,7 @@
           <a:p>
             <a:fld id="{B35B300D-7DF5-4E96-8AA6-60E94C6E9F44}" type="datetimeFigureOut">
               <a:rPr lang="sr-Latn-RS" smtClean="0"/>
-              <a:t>13.3.2018.</a:t>
+              <a:t>14.3.2018.</a:t>
             </a:fld>
             <a:endParaRPr lang="sr-Latn-RS"/>
           </a:p>
@@ -4001,7 +4119,7 @@
           <a:p>
             <a:fld id="{B35B300D-7DF5-4E96-8AA6-60E94C6E9F44}" type="datetimeFigureOut">
               <a:rPr lang="sr-Latn-RS" smtClean="0"/>
-              <a:t>13.3.2018.</a:t>
+              <a:t>14.3.2018.</a:t>
             </a:fld>
             <a:endParaRPr lang="sr-Latn-RS"/>
           </a:p>
@@ -4285,7 +4403,7 @@
           <a:p>
             <a:fld id="{B35B300D-7DF5-4E96-8AA6-60E94C6E9F44}" type="datetimeFigureOut">
               <a:rPr lang="sr-Latn-RS" smtClean="0"/>
-              <a:t>13.3.2018.</a:t>
+              <a:t>14.3.2018.</a:t>
             </a:fld>
             <a:endParaRPr lang="sr-Latn-RS"/>
           </a:p>
@@ -4462,7 +4580,7 @@
           <a:p>
             <a:fld id="{B35B300D-7DF5-4E96-8AA6-60E94C6E9F44}" type="datetimeFigureOut">
               <a:rPr lang="sr-Latn-RS" smtClean="0"/>
-              <a:t>13.3.2018.</a:t>
+              <a:t>14.3.2018.</a:t>
             </a:fld>
             <a:endParaRPr lang="sr-Latn-RS"/>
           </a:p>
@@ -4649,7 +4767,7 @@
           <a:p>
             <a:fld id="{B35B300D-7DF5-4E96-8AA6-60E94C6E9F44}" type="datetimeFigureOut">
               <a:rPr lang="sr-Latn-RS" smtClean="0"/>
-              <a:t>13.3.2018.</a:t>
+              <a:t>14.3.2018.</a:t>
             </a:fld>
             <a:endParaRPr lang="sr-Latn-RS"/>
           </a:p>
@@ -4896,7 +5014,7 @@
           <a:p>
             <a:fld id="{B35B300D-7DF5-4E96-8AA6-60E94C6E9F44}" type="datetimeFigureOut">
               <a:rPr lang="sr-Latn-RS" smtClean="0"/>
-              <a:t>13.3.2018.</a:t>
+              <a:t>14.3.2018.</a:t>
             </a:fld>
             <a:endParaRPr lang="sr-Latn-RS"/>
           </a:p>
@@ -5180,7 +5298,7 @@
           <a:p>
             <a:fld id="{B35B300D-7DF5-4E96-8AA6-60E94C6E9F44}" type="datetimeFigureOut">
               <a:rPr lang="sr-Latn-RS" smtClean="0"/>
-              <a:t>13.3.2018.</a:t>
+              <a:t>14.3.2018.</a:t>
             </a:fld>
             <a:endParaRPr lang="sr-Latn-RS"/>
           </a:p>
@@ -7099,7 +7217,7 @@
           <a:p>
             <a:fld id="{B35B300D-7DF5-4E96-8AA6-60E94C6E9F44}" type="datetimeFigureOut">
               <a:rPr lang="sr-Latn-RS" smtClean="0"/>
-              <a:t>13.3.2018.</a:t>
+              <a:t>14.3.2018.</a:t>
             </a:fld>
             <a:endParaRPr lang="sr-Latn-RS"/>
           </a:p>
@@ -7533,19 +7651,7 @@
             </a:br>
             <a:r>
               <a:rPr lang="en-US" b="1" smtClean="0"/>
-              <a:t>15 </a:t>
-            </a:r>
-            <a:r>
-              <a:rPr lang="en-US" b="1" smtClean="0"/>
-              <a:t>– </a:t>
-            </a:r>
-            <a:r>
-              <a:rPr lang="en-US" b="1" smtClean="0"/>
-              <a:t>14</a:t>
-            </a:r>
-            <a:r>
-              <a:rPr lang="en-US" b="1" smtClean="0"/>
-              <a:t>.03.2018</a:t>
+              <a:t>15 – 14.03.2018</a:t>
             </a:r>
             <a:endParaRPr lang="en-US"/>
           </a:p>
@@ -7591,6 +7697,158 @@
       </p:par>
     </p:tnLst>
   </p:timing>
+</p:sld>
+</file>
+
+<file path=ppt/slides/slide10.xml><?xml version="1.0" encoding="utf-8"?>
+<p:sld xmlns:a="http://schemas.openxmlformats.org/drawingml/2006/main" xmlns:r="http://schemas.openxmlformats.org/officeDocument/2006/relationships" xmlns:p="http://schemas.openxmlformats.org/presentationml/2006/main">
+  <p:cSld>
+    <p:spTree>
+      <p:nvGrpSpPr>
+        <p:cNvPr id="1" name=""/>
+        <p:cNvGrpSpPr/>
+        <p:nvPr/>
+      </p:nvGrpSpPr>
+      <p:grpSpPr>
+        <a:xfrm>
+          <a:off x="0" y="0"/>
+          <a:ext cx="0" cy="0"/>
+          <a:chOff x="0" y="0"/>
+          <a:chExt cx="0" cy="0"/>
+        </a:xfrm>
+      </p:grpSpPr>
+      <p:pic>
+        <p:nvPicPr>
+          <p:cNvPr id="5" name="Content Placeholder 4"/>
+          <p:cNvPicPr>
+            <a:picLocks noGrp="1" noChangeAspect="1"/>
+          </p:cNvPicPr>
+          <p:nvPr>
+            <p:ph sz="quarter" idx="10"/>
+          </p:nvPr>
+        </p:nvPicPr>
+        <p:blipFill>
+          <a:blip r:embed="rId2"/>
+          <a:stretch>
+            <a:fillRect/>
+          </a:stretch>
+        </p:blipFill>
+        <p:spPr>
+          <a:xfrm>
+            <a:off x="862551" y="1726853"/>
+            <a:ext cx="8339638" cy="4274621"/>
+          </a:xfrm>
+          <a:prstGeom prst="rect">
+            <a:avLst/>
+          </a:prstGeom>
+        </p:spPr>
+      </p:pic>
+      <p:pic>
+        <p:nvPicPr>
+          <p:cNvPr id="6" name="Picture 5"/>
+          <p:cNvPicPr>
+            <a:picLocks noChangeAspect="1"/>
+          </p:cNvPicPr>
+          <p:nvPr/>
+        </p:nvPicPr>
+        <p:blipFill>
+          <a:blip r:embed="rId3"/>
+          <a:stretch>
+            <a:fillRect/>
+          </a:stretch>
+        </p:blipFill>
+        <p:spPr>
+          <a:xfrm>
+            <a:off x="0" y="0"/>
+            <a:ext cx="3258005" cy="914528"/>
+          </a:xfrm>
+          <a:prstGeom prst="rect">
+            <a:avLst/>
+          </a:prstGeom>
+        </p:spPr>
+      </p:pic>
+    </p:spTree>
+    <p:extLst>
+      <p:ext uri="{BB962C8B-B14F-4D97-AF65-F5344CB8AC3E}">
+        <p14:creationId xmlns:p14="http://schemas.microsoft.com/office/powerpoint/2010/main" val="3418506575"/>
+      </p:ext>
+    </p:extLst>
+  </p:cSld>
+  <p:clrMapOvr>
+    <a:masterClrMapping/>
+  </p:clrMapOvr>
+</p:sld>
+</file>
+
+<file path=ppt/slides/slide11.xml><?xml version="1.0" encoding="utf-8"?>
+<p:sld xmlns:a="http://schemas.openxmlformats.org/drawingml/2006/main" xmlns:r="http://schemas.openxmlformats.org/officeDocument/2006/relationships" xmlns:p="http://schemas.openxmlformats.org/presentationml/2006/main">
+  <p:cSld>
+    <p:spTree>
+      <p:nvGrpSpPr>
+        <p:cNvPr id="1" name=""/>
+        <p:cNvGrpSpPr/>
+        <p:nvPr/>
+      </p:nvGrpSpPr>
+      <p:grpSpPr>
+        <a:xfrm>
+          <a:off x="0" y="0"/>
+          <a:ext cx="0" cy="0"/>
+          <a:chOff x="0" y="0"/>
+          <a:chExt cx="0" cy="0"/>
+        </a:xfrm>
+      </p:grpSpPr>
+      <p:sp>
+        <p:nvSpPr>
+          <p:cNvPr id="2" name="Title 1"/>
+          <p:cNvSpPr>
+            <a:spLocks noGrp="1"/>
+          </p:cNvSpPr>
+          <p:nvPr>
+            <p:ph type="title"/>
+          </p:nvPr>
+        </p:nvSpPr>
+        <p:spPr/>
+        <p:txBody>
+          <a:bodyPr/>
+          <a:lstStyle/>
+          <a:p>
+            <a:r>
+              <a:rPr lang="en-US" smtClean="0"/>
+              <a:t>Console – inspect objects</a:t>
+            </a:r>
+            <a:endParaRPr lang="sr-Latn-RS"/>
+          </a:p>
+        </p:txBody>
+      </p:sp>
+      <p:sp>
+        <p:nvSpPr>
+          <p:cNvPr id="3" name="Content Placeholder 2"/>
+          <p:cNvSpPr>
+            <a:spLocks noGrp="1"/>
+          </p:cNvSpPr>
+          <p:nvPr>
+            <p:ph sz="quarter" idx="10"/>
+          </p:nvPr>
+        </p:nvSpPr>
+        <p:spPr/>
+        <p:txBody>
+          <a:bodyPr/>
+          <a:lstStyle/>
+          <a:p>
+            <a:endParaRPr lang="sr-Latn-RS"/>
+          </a:p>
+        </p:txBody>
+      </p:sp>
+    </p:spTree>
+    <p:extLst>
+      <p:ext uri="{BB962C8B-B14F-4D97-AF65-F5344CB8AC3E}">
+        <p14:creationId xmlns:p14="http://schemas.microsoft.com/office/powerpoint/2010/main" val="3988594003"/>
+      </p:ext>
+    </p:extLst>
+  </p:cSld>
+  <p:clrMapOvr>
+    <a:masterClrMapping/>
+  </p:clrMapOvr>
 </p:sld>
 </file>
 
@@ -7674,7 +7932,7 @@
           <p:nvPr>
             <p:extLst>
               <p:ext uri="{D42A27DB-BD31-4B8C-83A1-F6EECF244321}">
-                <p14:modId xmlns:p14="http://schemas.microsoft.com/office/powerpoint/2010/main" val="571710413"/>
+                <p14:modId xmlns:p14="http://schemas.microsoft.com/office/powerpoint/2010/main" val="555301906"/>
               </p:ext>
             </p:extLst>
           </p:nvPr>
@@ -7791,7 +8049,7 @@
         <p:spPr>
           <a:xfrm>
             <a:off x="0" y="1825625"/>
-            <a:ext cx="5570538" cy="4351338"/>
+            <a:ext cx="10582102" cy="4351338"/>
           </a:xfrm>
         </p:spPr>
         <p:txBody>
@@ -7799,6 +8057,39 @@
           <a:lstStyle/>
           <a:p>
             <a:pPr lvl="1"/>
+            <a:r>
+              <a:rPr lang="en-US" smtClean="0"/>
+              <a:t>Spremio sam mali CSS kviz:</a:t>
+            </a:r>
+          </a:p>
+          <a:p>
+            <a:pPr lvl="1"/>
+            <a:r>
+              <a:rPr lang="en-US"/>
+              <a:t>Link potrazite na github-u: </a:t>
+            </a:r>
+            <a:r>
+              <a:rPr lang="en-US"/>
+              <a:t>CSS </a:t>
+            </a:r>
+            <a:r>
+              <a:rPr lang="en-US" smtClean="0"/>
+              <a:t>Quiz link u PPT folderu (sesija-15)</a:t>
+            </a:r>
+            <a:endParaRPr lang="en-US"/>
+          </a:p>
+          <a:p>
+            <a:pPr lvl="1"/>
+            <a:r>
+              <a:rPr lang="en-US" smtClean="0"/>
+              <a:t>Slobodno mi kazite rezultate – necu nikome da prenosim </a:t>
+            </a:r>
+            <a:r>
+              <a:rPr lang="en-US" smtClean="0">
+                <a:sym typeface="Wingdings" panose="05000000000000000000" pitchFamily="2" charset="2"/>
+              </a:rPr>
+              <a:t></a:t>
+            </a:r>
             <a:endParaRPr lang="en-US" smtClean="0"/>
           </a:p>
         </p:txBody>
@@ -7894,15 +8185,10 @@
             <a:spLocks noGrp="1"/>
           </p:cNvSpPr>
           <p:nvPr>
-            <p:ph type="body" sz="quarter" idx="4294967295"/>
+            <p:ph type="body" sz="quarter" idx="11"/>
           </p:nvPr>
         </p:nvSpPr>
-        <p:spPr>
-          <a:xfrm>
-            <a:off x="7368309" y="3196013"/>
-            <a:ext cx="4699000" cy="1930400"/>
-          </a:xfrm>
-        </p:spPr>
+        <p:spPr/>
         <p:txBody>
           <a:bodyPr/>
           <a:lstStyle/>
@@ -7910,7 +8196,7 @@
             <a:pPr lvl="0"/>
             <a:r>
               <a:rPr lang="en-US" sz="4000" smtClean="0"/>
-              <a:t>text</a:t>
+              <a:t>Objekti</a:t>
             </a:r>
             <a:endParaRPr lang="en-US" sz="4000"/>
           </a:p>
@@ -7933,6 +8219,494 @@
       </p:par>
     </p:tnLst>
   </p:timing>
+</p:sld>
+</file>
+
+<file path=ppt/slides/slide5.xml><?xml version="1.0" encoding="utf-8"?>
+<p:sld xmlns:a="http://schemas.openxmlformats.org/drawingml/2006/main" xmlns:r="http://schemas.openxmlformats.org/officeDocument/2006/relationships" xmlns:p="http://schemas.openxmlformats.org/presentationml/2006/main">
+  <p:cSld>
+    <p:spTree>
+      <p:nvGrpSpPr>
+        <p:cNvPr id="1" name=""/>
+        <p:cNvGrpSpPr/>
+        <p:nvPr/>
+      </p:nvGrpSpPr>
+      <p:grpSpPr>
+        <a:xfrm>
+          <a:off x="0" y="0"/>
+          <a:ext cx="0" cy="0"/>
+          <a:chOff x="0" y="0"/>
+          <a:chExt cx="0" cy="0"/>
+        </a:xfrm>
+      </p:grpSpPr>
+      <p:sp>
+        <p:nvSpPr>
+          <p:cNvPr id="4" name="Title 3"/>
+          <p:cNvSpPr>
+            <a:spLocks noGrp="1"/>
+          </p:cNvSpPr>
+          <p:nvPr>
+            <p:ph type="title"/>
+          </p:nvPr>
+        </p:nvSpPr>
+        <p:spPr/>
+        <p:txBody>
+          <a:bodyPr/>
+          <a:lstStyle/>
+          <a:p>
+            <a:r>
+              <a:rPr lang="en-US" smtClean="0"/>
+              <a:t>Izreka u Javascriptu</a:t>
+            </a:r>
+            <a:endParaRPr lang="sr-Latn-RS"/>
+          </a:p>
+        </p:txBody>
+      </p:sp>
+      <p:pic>
+        <p:nvPicPr>
+          <p:cNvPr id="6" name="Content Placeholder 5"/>
+          <p:cNvPicPr>
+            <a:picLocks noGrp="1" noChangeAspect="1"/>
+          </p:cNvPicPr>
+          <p:nvPr>
+            <p:ph sz="quarter" idx="10"/>
+          </p:nvPr>
+        </p:nvPicPr>
+        <p:blipFill>
+          <a:blip r:embed="rId2"/>
+          <a:stretch>
+            <a:fillRect/>
+          </a:stretch>
+        </p:blipFill>
+        <p:spPr>
+          <a:xfrm>
+            <a:off x="1560132" y="1418400"/>
+            <a:ext cx="7925906" cy="1667108"/>
+          </a:xfrm>
+          <a:prstGeom prst="rect">
+            <a:avLst/>
+          </a:prstGeom>
+        </p:spPr>
+      </p:pic>
+      <p:pic>
+        <p:nvPicPr>
+          <p:cNvPr id="7" name="Picture 6"/>
+          <p:cNvPicPr>
+            <a:picLocks noChangeAspect="1"/>
+          </p:cNvPicPr>
+          <p:nvPr/>
+        </p:nvPicPr>
+        <p:blipFill>
+          <a:blip r:embed="rId3"/>
+          <a:stretch>
+            <a:fillRect/>
+          </a:stretch>
+        </p:blipFill>
+        <p:spPr>
+          <a:xfrm>
+            <a:off x="497940" y="2749766"/>
+            <a:ext cx="3367790" cy="4000169"/>
+          </a:xfrm>
+          <a:prstGeom prst="rect">
+            <a:avLst/>
+          </a:prstGeom>
+        </p:spPr>
+      </p:pic>
+      <p:pic>
+        <p:nvPicPr>
+          <p:cNvPr id="8" name="Picture 7"/>
+          <p:cNvPicPr>
+            <a:picLocks noChangeAspect="1"/>
+          </p:cNvPicPr>
+          <p:nvPr/>
+        </p:nvPicPr>
+        <p:blipFill>
+          <a:blip r:embed="rId4"/>
+          <a:stretch>
+            <a:fillRect/>
+          </a:stretch>
+        </p:blipFill>
+        <p:spPr>
+          <a:xfrm>
+            <a:off x="6858665" y="2839983"/>
+            <a:ext cx="3183111" cy="3819733"/>
+          </a:xfrm>
+          <a:prstGeom prst="rect">
+            <a:avLst/>
+          </a:prstGeom>
+        </p:spPr>
+      </p:pic>
+    </p:spTree>
+    <p:extLst>
+      <p:ext uri="{BB962C8B-B14F-4D97-AF65-F5344CB8AC3E}">
+        <p14:creationId xmlns:p14="http://schemas.microsoft.com/office/powerpoint/2010/main" val="2416106586"/>
+      </p:ext>
+    </p:extLst>
+  </p:cSld>
+  <p:clrMapOvr>
+    <a:masterClrMapping/>
+  </p:clrMapOvr>
+</p:sld>
+</file>
+
+<file path=ppt/slides/slide6.xml><?xml version="1.0" encoding="utf-8"?>
+<p:sld xmlns:a="http://schemas.openxmlformats.org/drawingml/2006/main" xmlns:r="http://schemas.openxmlformats.org/officeDocument/2006/relationships" xmlns:p="http://schemas.openxmlformats.org/presentationml/2006/main">
+  <p:cSld>
+    <p:spTree>
+      <p:nvGrpSpPr>
+        <p:cNvPr id="1" name=""/>
+        <p:cNvGrpSpPr/>
+        <p:nvPr/>
+      </p:nvGrpSpPr>
+      <p:grpSpPr>
+        <a:xfrm>
+          <a:off x="0" y="0"/>
+          <a:ext cx="0" cy="0"/>
+          <a:chOff x="0" y="0"/>
+          <a:chExt cx="0" cy="0"/>
+        </a:xfrm>
+      </p:grpSpPr>
+      <p:pic>
+        <p:nvPicPr>
+          <p:cNvPr id="5" name="Picture 4"/>
+          <p:cNvPicPr>
+            <a:picLocks noChangeAspect="1"/>
+          </p:cNvPicPr>
+          <p:nvPr/>
+        </p:nvPicPr>
+        <p:blipFill>
+          <a:blip r:embed="rId2"/>
+          <a:stretch>
+            <a:fillRect/>
+          </a:stretch>
+        </p:blipFill>
+        <p:spPr>
+          <a:xfrm>
+            <a:off x="74815" y="299259"/>
+            <a:ext cx="7478169" cy="847843"/>
+          </a:xfrm>
+          <a:prstGeom prst="rect">
+            <a:avLst/>
+          </a:prstGeom>
+        </p:spPr>
+      </p:pic>
+      <p:pic>
+        <p:nvPicPr>
+          <p:cNvPr id="4" name="Content Placeholder 3"/>
+          <p:cNvPicPr>
+            <a:picLocks noGrp="1" noChangeAspect="1"/>
+          </p:cNvPicPr>
+          <p:nvPr>
+            <p:ph sz="quarter" idx="10"/>
+          </p:nvPr>
+        </p:nvPicPr>
+        <p:blipFill>
+          <a:blip r:embed="rId3"/>
+          <a:stretch>
+            <a:fillRect/>
+          </a:stretch>
+        </p:blipFill>
+        <p:spPr>
+          <a:xfrm>
+            <a:off x="235217" y="1785043"/>
+            <a:ext cx="6768508" cy="3328988"/>
+          </a:xfrm>
+          <a:prstGeom prst="rect">
+            <a:avLst/>
+          </a:prstGeom>
+        </p:spPr>
+      </p:pic>
+      <p:pic>
+        <p:nvPicPr>
+          <p:cNvPr id="6" name="Picture 5"/>
+          <p:cNvPicPr>
+            <a:picLocks noChangeAspect="1"/>
+          </p:cNvPicPr>
+          <p:nvPr/>
+        </p:nvPicPr>
+        <p:blipFill>
+          <a:blip r:embed="rId4"/>
+          <a:stretch>
+            <a:fillRect/>
+          </a:stretch>
+        </p:blipFill>
+        <p:spPr>
+          <a:xfrm>
+            <a:off x="7364344" y="1147102"/>
+            <a:ext cx="3187790" cy="5166905"/>
+          </a:xfrm>
+          <a:prstGeom prst="rect">
+            <a:avLst/>
+          </a:prstGeom>
+        </p:spPr>
+      </p:pic>
+    </p:spTree>
+    <p:extLst>
+      <p:ext uri="{BB962C8B-B14F-4D97-AF65-F5344CB8AC3E}">
+        <p14:creationId xmlns:p14="http://schemas.microsoft.com/office/powerpoint/2010/main" val="1992346589"/>
+      </p:ext>
+    </p:extLst>
+  </p:cSld>
+  <p:clrMapOvr>
+    <a:masterClrMapping/>
+  </p:clrMapOvr>
+</p:sld>
+</file>
+
+<file path=ppt/slides/slide7.xml><?xml version="1.0" encoding="utf-8"?>
+<p:sld xmlns:a="http://schemas.openxmlformats.org/drawingml/2006/main" xmlns:r="http://schemas.openxmlformats.org/officeDocument/2006/relationships" xmlns:p="http://schemas.openxmlformats.org/presentationml/2006/main">
+  <p:cSld>
+    <p:spTree>
+      <p:nvGrpSpPr>
+        <p:cNvPr id="1" name=""/>
+        <p:cNvGrpSpPr/>
+        <p:nvPr/>
+      </p:nvGrpSpPr>
+      <p:grpSpPr>
+        <a:xfrm>
+          <a:off x="0" y="0"/>
+          <a:ext cx="0" cy="0"/>
+          <a:chOff x="0" y="0"/>
+          <a:chExt cx="0" cy="0"/>
+        </a:xfrm>
+      </p:grpSpPr>
+      <p:pic>
+        <p:nvPicPr>
+          <p:cNvPr id="4" name="Content Placeholder 3"/>
+          <p:cNvPicPr>
+            <a:picLocks noGrp="1" noChangeAspect="1"/>
+          </p:cNvPicPr>
+          <p:nvPr>
+            <p:ph sz="quarter" idx="10"/>
+          </p:nvPr>
+        </p:nvPicPr>
+        <p:blipFill>
+          <a:blip r:embed="rId2"/>
+          <a:stretch>
+            <a:fillRect/>
+          </a:stretch>
+        </p:blipFill>
+        <p:spPr>
+          <a:xfrm>
+            <a:off x="1923019" y="2051050"/>
+            <a:ext cx="6418737" cy="3328988"/>
+          </a:xfrm>
+          <a:prstGeom prst="rect">
+            <a:avLst/>
+          </a:prstGeom>
+        </p:spPr>
+      </p:pic>
+      <p:pic>
+        <p:nvPicPr>
+          <p:cNvPr id="5" name="Picture 4"/>
+          <p:cNvPicPr>
+            <a:picLocks noChangeAspect="1"/>
+          </p:cNvPicPr>
+          <p:nvPr/>
+        </p:nvPicPr>
+        <p:blipFill>
+          <a:blip r:embed="rId3"/>
+          <a:stretch>
+            <a:fillRect/>
+          </a:stretch>
+        </p:blipFill>
+        <p:spPr>
+          <a:xfrm>
+            <a:off x="0" y="0"/>
+            <a:ext cx="10050278" cy="905001"/>
+          </a:xfrm>
+          <a:prstGeom prst="rect">
+            <a:avLst/>
+          </a:prstGeom>
+        </p:spPr>
+      </p:pic>
+    </p:spTree>
+    <p:extLst>
+      <p:ext uri="{BB962C8B-B14F-4D97-AF65-F5344CB8AC3E}">
+        <p14:creationId xmlns:p14="http://schemas.microsoft.com/office/powerpoint/2010/main" val="211134238"/>
+      </p:ext>
+    </p:extLst>
+  </p:cSld>
+  <p:clrMapOvr>
+    <a:masterClrMapping/>
+  </p:clrMapOvr>
+</p:sld>
+</file>
+
+<file path=ppt/slides/slide8.xml><?xml version="1.0" encoding="utf-8"?>
+<p:sld xmlns:a="http://schemas.openxmlformats.org/drawingml/2006/main" xmlns:r="http://schemas.openxmlformats.org/officeDocument/2006/relationships" xmlns:p="http://schemas.openxmlformats.org/presentationml/2006/main">
+  <p:cSld>
+    <p:spTree>
+      <p:nvGrpSpPr>
+        <p:cNvPr id="1" name=""/>
+        <p:cNvGrpSpPr/>
+        <p:nvPr/>
+      </p:nvGrpSpPr>
+      <p:grpSpPr>
+        <a:xfrm>
+          <a:off x="0" y="0"/>
+          <a:ext cx="0" cy="0"/>
+          <a:chOff x="0" y="0"/>
+          <a:chExt cx="0" cy="0"/>
+        </a:xfrm>
+      </p:grpSpPr>
+      <p:pic>
+        <p:nvPicPr>
+          <p:cNvPr id="5" name="Content Placeholder 4"/>
+          <p:cNvPicPr>
+            <a:picLocks noGrp="1" noChangeAspect="1"/>
+          </p:cNvPicPr>
+          <p:nvPr>
+            <p:ph sz="quarter" idx="10"/>
+          </p:nvPr>
+        </p:nvPicPr>
+        <p:blipFill>
+          <a:blip r:embed="rId2"/>
+          <a:stretch>
+            <a:fillRect/>
+          </a:stretch>
+        </p:blipFill>
+        <p:spPr>
+          <a:xfrm>
+            <a:off x="1777593" y="1036896"/>
+            <a:ext cx="7250027" cy="4928167"/>
+          </a:xfrm>
+          <a:prstGeom prst="rect">
+            <a:avLst/>
+          </a:prstGeom>
+        </p:spPr>
+      </p:pic>
+      <p:pic>
+        <p:nvPicPr>
+          <p:cNvPr id="4" name="Picture 3"/>
+          <p:cNvPicPr>
+            <a:picLocks noChangeAspect="1"/>
+          </p:cNvPicPr>
+          <p:nvPr/>
+        </p:nvPicPr>
+        <p:blipFill>
+          <a:blip r:embed="rId3"/>
+          <a:stretch>
+            <a:fillRect/>
+          </a:stretch>
+        </p:blipFill>
+        <p:spPr>
+          <a:xfrm>
+            <a:off x="0" y="0"/>
+            <a:ext cx="5830114" cy="847843"/>
+          </a:xfrm>
+          <a:prstGeom prst="rect">
+            <a:avLst/>
+          </a:prstGeom>
+        </p:spPr>
+      </p:pic>
+    </p:spTree>
+    <p:extLst>
+      <p:ext uri="{BB962C8B-B14F-4D97-AF65-F5344CB8AC3E}">
+        <p14:creationId xmlns:p14="http://schemas.microsoft.com/office/powerpoint/2010/main" val="2258214440"/>
+      </p:ext>
+    </p:extLst>
+  </p:cSld>
+  <p:clrMapOvr>
+    <a:masterClrMapping/>
+  </p:clrMapOvr>
+</p:sld>
+</file>
+
+<file path=ppt/slides/slide9.xml><?xml version="1.0" encoding="utf-8"?>
+<p:sld xmlns:a="http://schemas.openxmlformats.org/drawingml/2006/main" xmlns:r="http://schemas.openxmlformats.org/officeDocument/2006/relationships" xmlns:p="http://schemas.openxmlformats.org/presentationml/2006/main">
+  <p:cSld>
+    <p:spTree>
+      <p:nvGrpSpPr>
+        <p:cNvPr id="1" name=""/>
+        <p:cNvGrpSpPr/>
+        <p:nvPr/>
+      </p:nvGrpSpPr>
+      <p:grpSpPr>
+        <a:xfrm>
+          <a:off x="0" y="0"/>
+          <a:ext cx="0" cy="0"/>
+          <a:chOff x="0" y="0"/>
+          <a:chExt cx="0" cy="0"/>
+        </a:xfrm>
+      </p:grpSpPr>
+      <p:sp>
+        <p:nvSpPr>
+          <p:cNvPr id="3" name="Content Placeholder 2"/>
+          <p:cNvSpPr>
+            <a:spLocks noGrp="1"/>
+          </p:cNvSpPr>
+          <p:nvPr>
+            <p:ph sz="quarter" idx="10"/>
+          </p:nvPr>
+        </p:nvSpPr>
+        <p:spPr/>
+        <p:txBody>
+          <a:bodyPr/>
+          <a:lstStyle/>
+          <a:p>
+            <a:endParaRPr lang="sr-Latn-RS"/>
+          </a:p>
+        </p:txBody>
+      </p:sp>
+      <p:pic>
+        <p:nvPicPr>
+          <p:cNvPr id="4" name="Picture 3"/>
+          <p:cNvPicPr>
+            <a:picLocks noChangeAspect="1"/>
+          </p:cNvPicPr>
+          <p:nvPr/>
+        </p:nvPicPr>
+        <p:blipFill>
+          <a:blip r:embed="rId2"/>
+          <a:stretch>
+            <a:fillRect/>
+          </a:stretch>
+        </p:blipFill>
+        <p:spPr>
+          <a:xfrm>
+            <a:off x="-1" y="0"/>
+            <a:ext cx="11983867" cy="689956"/>
+          </a:xfrm>
+          <a:prstGeom prst="rect">
+            <a:avLst/>
+          </a:prstGeom>
+        </p:spPr>
+      </p:pic>
+      <p:pic>
+        <p:nvPicPr>
+          <p:cNvPr id="5" name="Picture 4"/>
+          <p:cNvPicPr>
+            <a:picLocks noChangeAspect="1"/>
+          </p:cNvPicPr>
+          <p:nvPr/>
+        </p:nvPicPr>
+        <p:blipFill>
+          <a:blip r:embed="rId3"/>
+          <a:stretch>
+            <a:fillRect/>
+          </a:stretch>
+        </p:blipFill>
+        <p:spPr>
+          <a:xfrm>
+            <a:off x="609600" y="816596"/>
+            <a:ext cx="9509719" cy="5482254"/>
+          </a:xfrm>
+          <a:prstGeom prst="rect">
+            <a:avLst/>
+          </a:prstGeom>
+        </p:spPr>
+      </p:pic>
+    </p:spTree>
+    <p:extLst>
+      <p:ext uri="{BB962C8B-B14F-4D97-AF65-F5344CB8AC3E}">
+        <p14:creationId xmlns:p14="http://schemas.microsoft.com/office/powerpoint/2010/main" val="1608325901"/>
+      </p:ext>
+    </p:extLst>
+  </p:cSld>
+  <p:clrMapOvr>
+    <a:masterClrMapping/>
+  </p:clrMapOvr>
 </p:sld>
 </file>
 

--- a/sesija-15/PPT/Front-End Developer-15.pptx
+++ b/sesija-15/PPT/Front-End Developer-15.pptx
@@ -6,7 +6,7 @@
     <p:sldMasterId id="2147483676" r:id="rId2"/>
   </p:sldMasterIdLst>
   <p:notesMasterIdLst>
-    <p:notesMasterId r:id="rId14"/>
+    <p:notesMasterId r:id="rId15"/>
   </p:notesMasterIdLst>
   <p:sldIdLst>
     <p:sldId id="256" r:id="rId3"/>
@@ -20,6 +20,7 @@
     <p:sldId id="268" r:id="rId11"/>
     <p:sldId id="269" r:id="rId12"/>
     <p:sldId id="270" r:id="rId13"/>
+    <p:sldId id="271" r:id="rId14"/>
   </p:sldIdLst>
   <p:sldSz cx="12192000" cy="6858000"/>
   <p:notesSz cx="6858000" cy="9144000"/>
@@ -134,6 +135,7 @@
             <p14:sldId id="268"/>
             <p14:sldId id="269"/>
             <p14:sldId id="270"/>
+            <p14:sldId id="271"/>
           </p14:sldIdLst>
         </p14:section>
       </p14:sectionLst>
@@ -7777,6 +7779,13 @@
   <p:clrMapOvr>
     <a:masterClrMapping/>
   </p:clrMapOvr>
+  <p:timing>
+    <p:tnLst>
+      <p:par>
+        <p:cTn id="1" dur="indefinite" restart="never" nodeType="tmRoot"/>
+      </p:par>
+    </p:tnLst>
+  </p:timing>
 </p:sld>
 </file>
 
@@ -7849,6 +7858,127 @@
   <p:clrMapOvr>
     <a:masterClrMapping/>
   </p:clrMapOvr>
+  <p:timing>
+    <p:tnLst>
+      <p:par>
+        <p:cTn id="1" dur="indefinite" restart="never" nodeType="tmRoot"/>
+      </p:par>
+    </p:tnLst>
+  </p:timing>
+</p:sld>
+</file>
+
+<file path=ppt/slides/slide12.xml><?xml version="1.0" encoding="utf-8"?>
+<p:sld xmlns:a="http://schemas.openxmlformats.org/drawingml/2006/main" xmlns:r="http://schemas.openxmlformats.org/officeDocument/2006/relationships" xmlns:p="http://schemas.openxmlformats.org/presentationml/2006/main">
+  <p:cSld>
+    <p:spTree>
+      <p:nvGrpSpPr>
+        <p:cNvPr id="1" name=""/>
+        <p:cNvGrpSpPr/>
+        <p:nvPr/>
+      </p:nvGrpSpPr>
+      <p:grpSpPr>
+        <a:xfrm>
+          <a:off x="0" y="0"/>
+          <a:ext cx="0" cy="0"/>
+          <a:chOff x="0" y="0"/>
+          <a:chExt cx="0" cy="0"/>
+        </a:xfrm>
+      </p:grpSpPr>
+      <p:sp>
+        <p:nvSpPr>
+          <p:cNvPr id="2" name="Title 1"/>
+          <p:cNvSpPr>
+            <a:spLocks noGrp="1"/>
+          </p:cNvSpPr>
+          <p:nvPr>
+            <p:ph type="title"/>
+          </p:nvPr>
+        </p:nvSpPr>
+        <p:spPr/>
+        <p:txBody>
+          <a:bodyPr/>
+          <a:lstStyle/>
+          <a:p>
+            <a:r>
+              <a:rPr lang="en-US" smtClean="0"/>
+              <a:t>Coding challenge	</a:t>
+            </a:r>
+            <a:endParaRPr lang="sr-Latn-RS"/>
+          </a:p>
+        </p:txBody>
+      </p:sp>
+      <p:sp>
+        <p:nvSpPr>
+          <p:cNvPr id="3" name="Content Placeholder 2"/>
+          <p:cNvSpPr>
+            <a:spLocks noGrp="1"/>
+          </p:cNvSpPr>
+          <p:nvPr>
+            <p:ph sz="quarter" idx="10"/>
+          </p:nvPr>
+        </p:nvSpPr>
+        <p:spPr>
+          <a:xfrm>
+            <a:off x="609600" y="2051050"/>
+            <a:ext cx="9997440" cy="3734608"/>
+          </a:xfrm>
+        </p:spPr>
+        <p:txBody>
+          <a:bodyPr>
+            <a:normAutofit fontScale="92500"/>
+          </a:bodyPr>
+          <a:lstStyle/>
+          <a:p>
+            <a:r>
+              <a:rPr lang="en-US" smtClean="0"/>
+              <a:t>Napravite funkciju – konstruktor za objekat Book, koji ima osobine name, year. Posle kreirajte nekoliko knjiga koristeci new operator.</a:t>
+            </a:r>
+          </a:p>
+          <a:p>
+            <a:r>
+              <a:rPr lang="en-US" smtClean="0"/>
+              <a:t>Napravite </a:t>
+            </a:r>
+            <a:r>
+              <a:rPr lang="en-US"/>
+              <a:t>funkciju – konstruktor </a:t>
+            </a:r>
+            <a:r>
+              <a:rPr lang="en-US" smtClean="0"/>
+              <a:t>za objekat Course, koji ima propertije teacher, name, students (kao niz imena). Napravite nekoliko kurseva sa razlicitim imenima, teacherima i studentima</a:t>
+            </a:r>
+            <a:r>
+              <a:rPr lang="en-US" smtClean="0"/>
+              <a:t>.</a:t>
+            </a:r>
+          </a:p>
+          <a:p>
+            <a:r>
+              <a:rPr lang="en-US" smtClean="0"/>
+              <a:t>Napravite funkciju – konstruktor za objekat Kocka, koji prima duzinu ivice kocke i njenu boju a ima metode: zapremina, povrsina i property boja kocke</a:t>
+            </a:r>
+            <a:endParaRPr lang="sr-Latn-RS"/>
+          </a:p>
+        </p:txBody>
+      </p:sp>
+    </p:spTree>
+    <p:extLst>
+      <p:ext uri="{BB962C8B-B14F-4D97-AF65-F5344CB8AC3E}">
+        <p14:creationId xmlns:p14="http://schemas.microsoft.com/office/powerpoint/2010/main" val="717771638"/>
+      </p:ext>
+    </p:extLst>
+  </p:cSld>
+  <p:clrMapOvr>
+    <a:masterClrMapping/>
+  </p:clrMapOvr>
+  <p:timing>
+    <p:tnLst>
+      <p:par>
+        <p:cTn id="1" dur="indefinite" restart="never" nodeType="tmRoot"/>
+      </p:par>
+    </p:tnLst>
+  </p:timing>
 </p:sld>
 </file>
 
@@ -8066,11 +8196,7 @@
             <a:pPr lvl="1"/>
             <a:r>
               <a:rPr lang="en-US"/>
-              <a:t>Link potrazite na github-u: </a:t>
-            </a:r>
-            <a:r>
-              <a:rPr lang="en-US"/>
-              <a:t>CSS </a:t>
+              <a:t>Link potrazite na github-u: CSS </a:t>
             </a:r>
             <a:r>
               <a:rPr lang="en-US" smtClean="0"/>
@@ -8346,6 +8472,13 @@
   <p:clrMapOvr>
     <a:masterClrMapping/>
   </p:clrMapOvr>
+  <p:timing>
+    <p:tnLst>
+      <p:par>
+        <p:cTn id="1" dur="indefinite" restart="never" nodeType="tmRoot"/>
+      </p:par>
+    </p:tnLst>
+  </p:timing>
 </p:sld>
 </file>
 
@@ -8450,6 +8583,13 @@
   <p:clrMapOvr>
     <a:masterClrMapping/>
   </p:clrMapOvr>
+  <p:timing>
+    <p:tnLst>
+      <p:par>
+        <p:cTn id="1" dur="indefinite" restart="never" nodeType="tmRoot"/>
+      </p:par>
+    </p:tnLst>
+  </p:timing>
 </p:sld>
 </file>
 
@@ -8530,6 +8670,13 @@
   <p:clrMapOvr>
     <a:masterClrMapping/>
   </p:clrMapOvr>
+  <p:timing>
+    <p:tnLst>
+      <p:par>
+        <p:cTn id="1" dur="indefinite" restart="never" nodeType="tmRoot"/>
+      </p:par>
+    </p:tnLst>
+  </p:timing>
 </p:sld>
 </file>
 
@@ -8610,6 +8757,13 @@
   <p:clrMapOvr>
     <a:masterClrMapping/>
   </p:clrMapOvr>
+  <p:timing>
+    <p:tnLst>
+      <p:par>
+        <p:cTn id="1" dur="indefinite" restart="never" nodeType="tmRoot"/>
+      </p:par>
+    </p:tnLst>
+  </p:timing>
 </p:sld>
 </file>
 
@@ -8707,6 +8861,13 @@
   <p:clrMapOvr>
     <a:masterClrMapping/>
   </p:clrMapOvr>
+  <p:timing>
+    <p:tnLst>
+      <p:par>
+        <p:cTn id="1" dur="indefinite" restart="never" nodeType="tmRoot"/>
+      </p:par>
+    </p:tnLst>
+  </p:timing>
 </p:sld>
 </file>
 
